--- a/전산 발표1_20221261 이예담.pptx
+++ b/전산 발표1_20221261 이예담.pptx
@@ -117,6 +117,11 @@
       </a:defRPr>
     </a:lvl9pPr>
   </p:defaultTextStyle>
+  <p:extLst>
+    <p:ext uri="{EFAFB233-063F-42B5-8137-9DF3F51BA10A}">
+      <p15:sldGuideLst xmlns:p15="http://schemas.microsoft.com/office/powerpoint/2012/main"/>
+    </p:ext>
+  </p:extLst>
 </p:presentation>
 </file>
 
@@ -6885,7 +6890,7 @@
                 <a:latin typeface="나눔스퀘어_ac ExtraBold" panose="020B0600000101010101" pitchFamily="50" charset="-127"/>
                 <a:ea typeface="나눔스퀘어_ac ExtraBold" panose="020B0600000101010101" pitchFamily="50" charset="-127"/>
               </a:rPr>
-              <a:t>년의 주기를 가짐</a:t>
+              <a:t>년의 주기로 궤도운동</a:t>
             </a:r>
             <a:endParaRPr lang="en-US" altLang="ko-KR" sz="1700" dirty="0">
               <a:solidFill>
@@ -7608,7 +7613,7 @@
                                 </a:solidFill>
                                 <a:latin typeface="Cambria Math" panose="02040503050406030204" pitchFamily="18" charset="0"/>
                               </a:rPr>
-                              <m:t>𝑥</m:t>
+                              <m:t>𝑅</m:t>
                             </m:r>
                           </m:e>
                           <m:sub>
@@ -7662,7 +7667,7 @@
               <a:blipFill>
                 <a:blip r:embed="rId2"/>
                 <a:stretch>
-                  <a:fillRect l="-2519" b="-31915"/>
+                  <a:fillRect l="-2519" t="-14894" b="-31915"/>
                 </a:stretch>
               </a:blipFill>
             </p:spPr>
@@ -7743,16 +7748,7 @@
                             </a:solidFill>
                             <a:latin typeface="Cambria Math" panose="02040503050406030204" pitchFamily="18" charset="0"/>
                           </a:rPr>
-                          <m:t>2</m:t>
-                        </m:r>
-                        <m:r>
-                          <a:rPr lang="en-US" altLang="ko-KR" b="0" i="1" smtClean="0">
-                            <a:solidFill>
-                              <a:schemeClr val="bg1"/>
-                            </a:solidFill>
-                            <a:latin typeface="Cambria Math" panose="02040503050406030204" pitchFamily="18" charset="0"/>
-                          </a:rPr>
-                          <m:t>1</m:t>
+                          <m:t>21</m:t>
                         </m:r>
                       </m:sub>
                     </m:sSub>
@@ -7930,7 +7926,7 @@
                                 </a:solidFill>
                                 <a:latin typeface="Cambria Math" panose="02040503050406030204" pitchFamily="18" charset="0"/>
                               </a:rPr>
-                              <m:t>𝑥</m:t>
+                              <m:t>𝑅</m:t>
                             </m:r>
                           </m:e>
                           <m:sub>
@@ -7984,7 +7980,7 @@
               <a:blipFill>
                 <a:blip r:embed="rId3"/>
                 <a:stretch>
-                  <a:fillRect l="-2519" t="-2128" b="-31915"/>
+                  <a:fillRect l="-2519" t="-17021" b="-31915"/>
                 </a:stretch>
               </a:blipFill>
             </p:spPr>
@@ -8003,8 +7999,8 @@
           </p:sp>
         </mc:Fallback>
       </mc:AlternateContent>
-      <mc:AlternateContent xmlns:mc="http://schemas.openxmlformats.org/markup-compatibility/2006">
-        <mc:Choice xmlns:a14="http://schemas.microsoft.com/office/drawing/2010/main" Requires="a14">
+      <mc:AlternateContent xmlns:mc="http://schemas.openxmlformats.org/markup-compatibility/2006" xmlns:a14="http://schemas.microsoft.com/office/drawing/2010/main">
+        <mc:Choice Requires="a14">
           <p:sp>
             <p:nvSpPr>
               <p:cNvPr id="14" name="TextBox 13">
@@ -8607,7 +8603,7 @@
             </p:txBody>
           </p:sp>
         </mc:Choice>
-        <mc:Fallback>
+        <mc:Fallback xmlns="">
           <p:sp>
             <p:nvSpPr>
               <p:cNvPr id="14" name="TextBox 13">
@@ -8652,8 +8648,8 @@
           </p:sp>
         </mc:Fallback>
       </mc:AlternateContent>
-      <mc:AlternateContent xmlns:mc="http://schemas.openxmlformats.org/markup-compatibility/2006">
-        <mc:Choice xmlns:a14="http://schemas.microsoft.com/office/drawing/2010/main" Requires="a14">
+      <mc:AlternateContent xmlns:mc="http://schemas.openxmlformats.org/markup-compatibility/2006" xmlns:a14="http://schemas.microsoft.com/office/drawing/2010/main">
+        <mc:Choice Requires="a14">
           <p:sp>
             <p:nvSpPr>
               <p:cNvPr id="15" name="TextBox 14">
@@ -9256,7 +9252,7 @@
             </p:txBody>
           </p:sp>
         </mc:Choice>
-        <mc:Fallback>
+        <mc:Fallback xmlns="">
           <p:sp>
             <p:nvSpPr>
               <p:cNvPr id="15" name="TextBox 14">
@@ -9992,8 +9988,8 @@
           </a:p>
         </p:txBody>
       </p:sp>
-      <mc:AlternateContent xmlns:mc="http://schemas.openxmlformats.org/markup-compatibility/2006">
-        <mc:Choice xmlns:a14="http://schemas.microsoft.com/office/drawing/2010/main" Requires="a14">
+      <mc:AlternateContent xmlns:mc="http://schemas.openxmlformats.org/markup-compatibility/2006" xmlns:a14="http://schemas.microsoft.com/office/drawing/2010/main">
+        <mc:Choice Requires="a14">
           <p:sp>
             <p:nvSpPr>
               <p:cNvPr id="12" name="TextBox 11">
@@ -10022,6 +10018,7 @@
               </a:bodyPr>
               <a:lstStyle/>
               <a:p>
+                <a:pPr/>
                 <a14:m>
                   <m:oMathPara xmlns:m="http://schemas.openxmlformats.org/officeDocument/2006/math">
                     <m:oMathParaPr>
@@ -10190,7 +10187,7 @@
             </p:txBody>
           </p:sp>
         </mc:Choice>
-        <mc:Fallback>
+        <mc:Fallback xmlns="">
           <p:sp>
             <p:nvSpPr>
               <p:cNvPr id="12" name="TextBox 11">
@@ -10235,8 +10232,8 @@
           </p:sp>
         </mc:Fallback>
       </mc:AlternateContent>
-      <mc:AlternateContent xmlns:mc="http://schemas.openxmlformats.org/markup-compatibility/2006">
-        <mc:Choice xmlns:a14="http://schemas.microsoft.com/office/drawing/2010/main" Requires="a14">
+      <mc:AlternateContent xmlns:mc="http://schemas.openxmlformats.org/markup-compatibility/2006" xmlns:a14="http://schemas.microsoft.com/office/drawing/2010/main">
+        <mc:Choice Requires="a14">
           <p:sp>
             <p:nvSpPr>
               <p:cNvPr id="13" name="TextBox 12">
@@ -10265,6 +10262,7 @@
               </a:bodyPr>
               <a:lstStyle/>
               <a:p>
+                <a:pPr/>
                 <a14:m>
                   <m:oMathPara xmlns:m="http://schemas.openxmlformats.org/officeDocument/2006/math">
                     <m:oMathParaPr>
@@ -10417,7 +10415,7 @@
             </p:txBody>
           </p:sp>
         </mc:Choice>
-        <mc:Fallback>
+        <mc:Fallback xmlns="">
           <p:sp>
             <p:nvSpPr>
               <p:cNvPr id="13" name="TextBox 12">
@@ -11457,8 +11455,8 @@
           </a:prstGeom>
         </p:spPr>
       </p:pic>
-      <mc:AlternateContent xmlns:mc="http://schemas.openxmlformats.org/markup-compatibility/2006">
-        <mc:Choice xmlns:a14="http://schemas.microsoft.com/office/drawing/2010/main" Requires="a14">
+      <mc:AlternateContent xmlns:mc="http://schemas.openxmlformats.org/markup-compatibility/2006" xmlns:a14="http://schemas.microsoft.com/office/drawing/2010/main">
+        <mc:Choice Requires="a14">
           <p:sp>
             <p:nvSpPr>
               <p:cNvPr id="17" name="부제목 8">
@@ -11651,6 +11649,7 @@
                 </a:lvl9pPr>
               </a:lstStyle>
               <a:p>
+                <a:pPr/>
                 <a14:m>
                   <m:oMathPara xmlns:m="http://schemas.openxmlformats.org/officeDocument/2006/math">
                     <m:oMathParaPr>
@@ -11777,6 +11776,7 @@
                     </m:oMath>
                   </m:oMathPara>
                 </a14:m>
+                <a:endParaRPr/>
               </a:p>
               <a:p>
                 <a:endParaRPr lang="en-US" altLang="ko-KR" sz="1400" dirty="0">
@@ -11799,7 +11799,7 @@
             </p:txBody>
           </p:sp>
         </mc:Choice>
-        <mc:Fallback>
+        <mc:Fallback xmlns="">
           <p:sp>
             <p:nvSpPr>
               <p:cNvPr id="17" name="부제목 8">
